--- a/프로젝트.pptx
+++ b/프로젝트.pptx
@@ -7,12 +7,13 @@
   <p:sldIdLst>
     <p:sldId id="256" r:id="rId2"/>
     <p:sldId id="264" r:id="rId3"/>
-    <p:sldId id="263" r:id="rId4"/>
-    <p:sldId id="257" r:id="rId5"/>
-    <p:sldId id="259" r:id="rId6"/>
-    <p:sldId id="260" r:id="rId7"/>
-    <p:sldId id="262" r:id="rId8"/>
-    <p:sldId id="261" r:id="rId9"/>
+    <p:sldId id="265" r:id="rId4"/>
+    <p:sldId id="263" r:id="rId5"/>
+    <p:sldId id="257" r:id="rId6"/>
+    <p:sldId id="259" r:id="rId7"/>
+    <p:sldId id="260" r:id="rId8"/>
+    <p:sldId id="262" r:id="rId9"/>
+    <p:sldId id="261" r:id="rId10"/>
   </p:sldIdLst>
   <p:sldSz cx="12192000" cy="6858000"/>
   <p:notesSz cx="6858000" cy="9144000"/>
@@ -8721,7 +8722,23 @@
             </a:pPr>
             <a:r>
               <a:rPr lang="ko-KR" altLang="en-US"/>
-              <a:t>진척도</a:t>
+              <a:t>진척도 </a:t>
+            </a:r>
+            <a:r>
+              <a:rPr lang="en-US" altLang="ko-KR"/>
+              <a:t>-</a:t>
+            </a:r>
+            <a:r>
+              <a:rPr lang="ko-KR" altLang="en-US"/>
+              <a:t> </a:t>
+            </a:r>
+            <a:r>
+              <a:rPr lang="en-US" altLang="ko-KR"/>
+              <a:t>1</a:t>
+            </a:r>
+            <a:r>
+              <a:rPr lang="ko-KR" altLang="en-US"/>
+              <a:t>일차</a:t>
             </a:r>
             <a:endParaRPr lang="ko-KR" altLang="en-US"/>
           </a:p>
@@ -8909,6 +8926,13 @@
               <a:rPr lang="ko-KR" altLang="en-US"/>
               <a:t> 데이터 전처리중</a:t>
             </a:r>
+            <a:endParaRPr lang="ko-KR" altLang="en-US"/>
+          </a:p>
+          <a:p>
+            <a:pPr marL="0" lvl="0" indent="0">
+              <a:buNone/>
+              <a:defRPr/>
+            </a:pPr>
             <a:endParaRPr lang="ko-KR" altLang="en-US"/>
           </a:p>
           <a:p>
@@ -8983,6 +9007,169 @@
             </a:pPr>
             <a:r>
               <a:rPr lang="ko-KR" altLang="en-US"/>
+              <a:t>진척도 </a:t>
+            </a:r>
+            <a:r>
+              <a:rPr lang="en-US" altLang="ko-KR"/>
+              <a:t>-</a:t>
+            </a:r>
+            <a:r>
+              <a:rPr lang="ko-KR" altLang="en-US"/>
+              <a:t> </a:t>
+            </a:r>
+            <a:r>
+              <a:rPr lang="en-US" altLang="ko-KR"/>
+              <a:t>2</a:t>
+            </a:r>
+            <a:r>
+              <a:rPr lang="ko-KR" altLang="en-US"/>
+              <a:t>일차</a:t>
+            </a:r>
+            <a:endParaRPr lang="ko-KR" altLang="en-US"/>
+          </a:p>
+        </p:txBody>
+      </p:sp>
+      <p:sp>
+        <p:nvSpPr>
+          <p:cNvPr id="3" name=""/>
+          <p:cNvSpPr>
+            <a:spLocks noGrp="1"/>
+          </p:cNvSpPr>
+          <p:nvPr>
+            <p:ph idx="1"/>
+          </p:nvPr>
+        </p:nvSpPr>
+        <p:spPr/>
+        <p:txBody>
+          <a:bodyPr/>
+          <a:p>
+            <a:pPr marL="0" lvl="0" indent="0">
+              <a:buNone/>
+              <a:defRPr/>
+            </a:pPr>
+            <a:r>
+              <a:rPr lang="en-US" altLang="ko-KR"/>
+              <a:t>250107:</a:t>
+            </a:r>
+            <a:r>
+              <a:rPr lang="ko-KR" altLang="en-US"/>
+              <a:t> 데이터 전처리 </a:t>
+            </a:r>
+            <a:r>
+              <a:rPr lang="en-US" altLang="ko-KR"/>
+              <a:t>80</a:t>
+            </a:r>
+            <a:r>
+              <a:rPr lang="ko-KR" altLang="en-US"/>
+              <a:t>퍼센트 완료</a:t>
+            </a:r>
+            <a:r>
+              <a:rPr lang="en-US" altLang="ko-KR"/>
+              <a:t>,</a:t>
+            </a:r>
+            <a:r>
+              <a:rPr lang="ko-KR" altLang="en-US"/>
+              <a:t> 추가적으로 더 넣을 데이터 찾는 중</a:t>
+            </a:r>
+            <a:endParaRPr lang="ko-KR" altLang="en-US"/>
+          </a:p>
+          <a:p>
+            <a:pPr marL="0" lvl="0" indent="0">
+              <a:buNone/>
+              <a:defRPr/>
+            </a:pPr>
+            <a:r>
+              <a:rPr lang="ko-KR" altLang="en-US"/>
+              <a:t>	데이터 전처리가 완료되면 파이프라인형태에 바로 넣을 수 있게 할 것</a:t>
+            </a:r>
+            <a:endParaRPr lang="ko-KR" altLang="en-US"/>
+          </a:p>
+          <a:p>
+            <a:pPr marL="0" lvl="0" indent="0">
+              <a:buNone/>
+              <a:defRPr/>
+            </a:pPr>
+            <a:endParaRPr lang="ko-KR" altLang="en-US"/>
+          </a:p>
+          <a:p>
+            <a:pPr marL="0" lvl="0" indent="0">
+              <a:buNone/>
+              <a:defRPr/>
+            </a:pPr>
+            <a:endParaRPr lang="ko-KR" altLang="en-US"/>
+          </a:p>
+          <a:p>
+            <a:pPr marL="0" lvl="0" indent="0">
+              <a:buNone/>
+              <a:defRPr/>
+            </a:pPr>
+            <a:endParaRPr lang="ko-KR" altLang="en-US"/>
+          </a:p>
+          <a:p>
+            <a:pPr marL="0" lvl="0" indent="0">
+              <a:buNone/>
+              <a:defRPr/>
+            </a:pPr>
+            <a:endParaRPr lang="ko-KR" altLang="en-US"/>
+          </a:p>
+          <a:p>
+            <a:pPr marL="0" lvl="0" indent="0">
+              <a:buNone/>
+              <a:defRPr/>
+            </a:pPr>
+            <a:endParaRPr lang="ko-KR" altLang="en-US"/>
+          </a:p>
+        </p:txBody>
+      </p:sp>
+    </p:spTree>
+    <p:extLst>
+      <p:ext uri="{BB962C8B-B14F-4D97-AF65-F5344CB8AC3E}">
+        <p14:creationId xmlns:p14="http://schemas.microsoft.com/office/powerpoint/2010/main" val="2491057480"/>
+      </p:ext>
+    </p:extLst>
+  </p:cSld>
+  <p:clrMapOvr>
+    <a:masterClrMapping/>
+  </p:clrMapOvr>
+</p:sld>
+</file>
+
+<file path=ppt/slides/slide4.xml><?xml version="1.0" encoding="utf-8"?>
+<p:sld xmlns:r="http://schemas.openxmlformats.org/officeDocument/2006/relationships" xmlns:c="http://schemas.openxmlformats.org/drawingml/2006/chart" xmlns:a="http://schemas.openxmlformats.org/drawingml/2006/main" xmlns:dgm="http://schemas.openxmlformats.org/drawingml/2006/diagram" xmlns:dsp="http://schemas.microsoft.com/office/drawing/2008/diagram" xmlns:p="http://schemas.openxmlformats.org/presentationml/2006/main">
+  <p:cSld>
+    <p:spTree>
+      <p:nvGrpSpPr>
+        <p:cNvPr id="1" name=""/>
+        <p:cNvGrpSpPr/>
+        <p:nvPr/>
+      </p:nvGrpSpPr>
+      <p:grpSpPr>
+        <a:xfrm>
+          <a:off x="0" y="0"/>
+          <a:ext cx="0" cy="0"/>
+          <a:chOff x="0" y="0"/>
+          <a:chExt cx="0" cy="0"/>
+        </a:xfrm>
+      </p:grpSpPr>
+      <p:sp>
+        <p:nvSpPr>
+          <p:cNvPr id="2" name=""/>
+          <p:cNvSpPr>
+            <a:spLocks noGrp="1"/>
+          </p:cNvSpPr>
+          <p:nvPr>
+            <p:ph type="title" idx="0"/>
+          </p:nvPr>
+        </p:nvSpPr>
+        <p:spPr/>
+        <p:txBody>
+          <a:bodyPr/>
+          <a:p>
+            <a:pPr lvl="0">
+              <a:defRPr/>
+            </a:pPr>
+            <a:r>
+              <a:rPr lang="ko-KR" altLang="en-US"/>
               <a:t>데이터 모델링 예정 후보</a:t>
             </a:r>
             <a:endParaRPr lang="ko-KR" altLang="en-US"/>
@@ -9135,7 +9322,7 @@
 </p:sld>
 </file>
 
-<file path=ppt/slides/slide4.xml><?xml version="1.0" encoding="utf-8"?>
+<file path=ppt/slides/slide5.xml><?xml version="1.0" encoding="utf-8"?>
 <p:sld xmlns:r="http://schemas.openxmlformats.org/officeDocument/2006/relationships" xmlns:c="http://schemas.openxmlformats.org/drawingml/2006/chart" xmlns:a="http://schemas.openxmlformats.org/drawingml/2006/main" xmlns:dgm="http://schemas.openxmlformats.org/drawingml/2006/diagram" xmlns:dsp="http://schemas.microsoft.com/office/drawing/2008/diagram" xmlns:p="http://schemas.openxmlformats.org/presentationml/2006/main">
   <p:cSld>
     <p:spTree>
@@ -9486,7 +9673,7 @@
 </p:sld>
 </file>
 
-<file path=ppt/slides/slide5.xml><?xml version="1.0" encoding="utf-8"?>
+<file path=ppt/slides/slide6.xml><?xml version="1.0" encoding="utf-8"?>
 <p:sld xmlns:r="http://schemas.openxmlformats.org/officeDocument/2006/relationships" xmlns:c="http://schemas.openxmlformats.org/drawingml/2006/chart" xmlns:a="http://schemas.openxmlformats.org/drawingml/2006/main" xmlns:dgm="http://schemas.openxmlformats.org/drawingml/2006/diagram" xmlns:dsp="http://schemas.microsoft.com/office/drawing/2008/diagram" xmlns:p="http://schemas.openxmlformats.org/presentationml/2006/main">
   <p:cSld>
     <p:spTree>
@@ -10156,7 +10343,7 @@
 </p:sld>
 </file>
 
-<file path=ppt/slides/slide6.xml><?xml version="1.0" encoding="utf-8"?>
+<file path=ppt/slides/slide7.xml><?xml version="1.0" encoding="utf-8"?>
 <p:sld xmlns:r="http://schemas.openxmlformats.org/officeDocument/2006/relationships" xmlns:c="http://schemas.openxmlformats.org/drawingml/2006/chart" xmlns:a="http://schemas.openxmlformats.org/drawingml/2006/main" xmlns:dgm="http://schemas.openxmlformats.org/drawingml/2006/diagram" xmlns:dsp="http://schemas.microsoft.com/office/drawing/2008/diagram" xmlns:p="http://schemas.openxmlformats.org/presentationml/2006/main">
   <p:cSld>
     <p:spTree>
@@ -10877,7 +11064,7 @@
 </p:sld>
 </file>
 
-<file path=ppt/slides/slide7.xml><?xml version="1.0" encoding="utf-8"?>
+<file path=ppt/slides/slide8.xml><?xml version="1.0" encoding="utf-8"?>
 <p:sld xmlns:r="http://schemas.openxmlformats.org/officeDocument/2006/relationships" xmlns:c="http://schemas.openxmlformats.org/drawingml/2006/chart" xmlns:a="http://schemas.openxmlformats.org/drawingml/2006/main" xmlns:dgm="http://schemas.openxmlformats.org/drawingml/2006/diagram" xmlns:dsp="http://schemas.microsoft.com/office/drawing/2008/diagram" xmlns:p="http://schemas.openxmlformats.org/presentationml/2006/main">
   <p:cSld>
     <p:spTree>
@@ -11638,7 +11825,7 @@
 </p:sld>
 </file>
 
-<file path=ppt/slides/slide8.xml><?xml version="1.0" encoding="utf-8"?>
+<file path=ppt/slides/slide9.xml><?xml version="1.0" encoding="utf-8"?>
 <p:sld xmlns:r="http://schemas.openxmlformats.org/officeDocument/2006/relationships" xmlns:c="http://schemas.openxmlformats.org/drawingml/2006/chart" xmlns:a="http://schemas.openxmlformats.org/drawingml/2006/main" xmlns:dgm="http://schemas.openxmlformats.org/drawingml/2006/diagram" xmlns:dsp="http://schemas.microsoft.com/office/drawing/2008/diagram" xmlns:p="http://schemas.openxmlformats.org/presentationml/2006/main">
   <p:cSld>
     <p:spTree>
